--- a/spring13/slides13/prob-independence.pptx
+++ b/spring13/slides13/prob-independence.pptx
@@ -17,7 +17,7 @@
     <p:sldId id="336" r:id="rId5"/>
     <p:sldId id="375" r:id="rId6"/>
     <p:sldId id="407" r:id="rId7"/>
-    <p:sldId id="376" r:id="rId8"/>
+    <p:sldId id="411" r:id="rId8"/>
     <p:sldId id="377" r:id="rId9"/>
     <p:sldId id="378" r:id="rId10"/>
     <p:sldId id="408" r:id="rId11"/>
@@ -3982,7 +3982,7 @@
           <a:graphicData uri="http://schemas.openxmlformats.org/presentationml/2006/ole">
             <mc:AlternateContent xmlns:mc="http://schemas.openxmlformats.org/markup-compatibility/2006">
               <mc:Choice xmlns:v="urn:schemas-microsoft-com:vml" Requires="v">
-                <p:oleObj spid="_x0000_s350216" name="Equation" r:id="rId4" imgW="114120" imgH="215640" progId="Equation.3">
+                <p:oleObj spid="_x0000_s350222" name="Equation" r:id="rId4" imgW="114120" imgH="215640" progId="Equation.3">
                   <p:embed/>
                 </p:oleObj>
               </mc:Choice>
@@ -4423,7 +4423,7 @@
           <a:graphicData uri="http://schemas.openxmlformats.org/presentationml/2006/ole">
             <mc:AlternateContent xmlns:mc="http://schemas.openxmlformats.org/markup-compatibility/2006">
               <mc:Choice xmlns:v="urn:schemas-microsoft-com:vml" Requires="v">
-                <p:oleObj spid="_x0000_s111691" name="Equation" r:id="rId4" imgW="114120" imgH="215640" progId="Equation.3">
+                <p:oleObj spid="_x0000_s111701" name="Equation" r:id="rId4" imgW="114120" imgH="215640" progId="Equation.3">
                   <p:embed/>
                 </p:oleObj>
               </mc:Choice>
@@ -4499,7 +4499,7 @@
           <a:graphicData uri="http://schemas.openxmlformats.org/presentationml/2006/ole">
             <mc:AlternateContent xmlns:mc="http://schemas.openxmlformats.org/markup-compatibility/2006">
               <mc:Choice xmlns:v="urn:schemas-microsoft-com:vml" Requires="v">
-                <p:oleObj spid="_x0000_s111692" name="Equation" r:id="rId6" imgW="126720" imgH="215640" progId="Equation.DSMT4">
+                <p:oleObj spid="_x0000_s111702" name="Equation" r:id="rId6" imgW="126720" imgH="215640" progId="Equation.DSMT4">
                   <p:embed/>
                 </p:oleObj>
               </mc:Choice>
@@ -4782,169 +4782,7 @@
   <p:timing>
     <p:tnLst>
       <p:par>
-        <p:cTn xmlns:p14="http://schemas.microsoft.com/office/powerpoint/2010/main" id="1" dur="indefinite" restart="never" nodeType="tmRoot">
-          <p:childTnLst>
-            <p:seq concurrent="1" nextAc="seek">
-              <p:cTn id="2" dur="indefinite" nodeType="mainSeq">
-                <p:childTnLst>
-                  <p:par>
-                    <p:cTn id="3" fill="hold">
-                      <p:stCondLst>
-                        <p:cond delay="indefinite"/>
-                      </p:stCondLst>
-                      <p:childTnLst>
-                        <p:par>
-                          <p:cTn id="4" fill="hold">
-                            <p:stCondLst>
-                              <p:cond delay="0"/>
-                            </p:stCondLst>
-                            <p:childTnLst>
-                              <p:par>
-                                <p:cTn id="5" presetID="10" presetClass="entr" presetSubtype="0" fill="hold" nodeType="clickEffect">
-                                  <p:stCondLst>
-                                    <p:cond delay="0"/>
-                                  </p:stCondLst>
-                                  <p:childTnLst>
-                                    <p:set>
-                                      <p:cBhvr>
-                                        <p:cTn id="6" dur="1" fill="hold">
-                                          <p:stCondLst>
-                                            <p:cond delay="0"/>
-                                          </p:stCondLst>
-                                        </p:cTn>
-                                        <p:tgtEl>
-                                          <p:spTgt spid="25603">
-                                            <p:txEl>
-                                              <p:pRg st="0" end="0"/>
-                                            </p:txEl>
-                                          </p:spTgt>
-                                        </p:tgtEl>
-                                        <p:attrNameLst>
-                                          <p:attrName>style.visibility</p:attrName>
-                                        </p:attrNameLst>
-                                      </p:cBhvr>
-                                      <p:to>
-                                        <p:strVal val="visible"/>
-                                      </p:to>
-                                    </p:set>
-                                    <p:animEffect transition="in" filter="fade">
-                                      <p:cBhvr>
-                                        <p:cTn id="7" dur="500"/>
-                                        <p:tgtEl>
-                                          <p:spTgt spid="25603">
-                                            <p:txEl>
-                                              <p:pRg st="0" end="0"/>
-                                            </p:txEl>
-                                          </p:spTgt>
-                                        </p:tgtEl>
-                                      </p:cBhvr>
-                                    </p:animEffect>
-                                  </p:childTnLst>
-                                </p:cTn>
-                              </p:par>
-                              <p:par>
-                                <p:cTn id="8" presetID="10" presetClass="entr" presetSubtype="0" fill="hold" nodeType="withEffect">
-                                  <p:stCondLst>
-                                    <p:cond delay="0"/>
-                                  </p:stCondLst>
-                                  <p:childTnLst>
-                                    <p:set>
-                                      <p:cBhvr>
-                                        <p:cTn id="9" dur="1" fill="hold">
-                                          <p:stCondLst>
-                                            <p:cond delay="0"/>
-                                          </p:stCondLst>
-                                        </p:cTn>
-                                        <p:tgtEl>
-                                          <p:spTgt spid="25603">
-                                            <p:txEl>
-                                              <p:pRg st="1" end="1"/>
-                                            </p:txEl>
-                                          </p:spTgt>
-                                        </p:tgtEl>
-                                        <p:attrNameLst>
-                                          <p:attrName>style.visibility</p:attrName>
-                                        </p:attrNameLst>
-                                      </p:cBhvr>
-                                      <p:to>
-                                        <p:strVal val="visible"/>
-                                      </p:to>
-                                    </p:set>
-                                    <p:animEffect transition="in" filter="fade">
-                                      <p:cBhvr>
-                                        <p:cTn id="10" dur="500"/>
-                                        <p:tgtEl>
-                                          <p:spTgt spid="25603">
-                                            <p:txEl>
-                                              <p:pRg st="1" end="1"/>
-                                            </p:txEl>
-                                          </p:spTgt>
-                                        </p:tgtEl>
-                                      </p:cBhvr>
-                                    </p:animEffect>
-                                  </p:childTnLst>
-                                </p:cTn>
-                              </p:par>
-                              <p:par>
-                                <p:cTn id="11" presetID="10" presetClass="entr" presetSubtype="0" fill="hold" nodeType="withEffect">
-                                  <p:stCondLst>
-                                    <p:cond delay="0"/>
-                                  </p:stCondLst>
-                                  <p:childTnLst>
-                                    <p:set>
-                                      <p:cBhvr>
-                                        <p:cTn id="12" dur="1" fill="hold">
-                                          <p:stCondLst>
-                                            <p:cond delay="0"/>
-                                          </p:stCondLst>
-                                        </p:cTn>
-                                        <p:tgtEl>
-                                          <p:spTgt spid="7171"/>
-                                        </p:tgtEl>
-                                        <p:attrNameLst>
-                                          <p:attrName>style.visibility</p:attrName>
-                                        </p:attrNameLst>
-                                      </p:cBhvr>
-                                      <p:to>
-                                        <p:strVal val="visible"/>
-                                      </p:to>
-                                    </p:set>
-                                    <p:animEffect transition="in" filter="fade">
-                                      <p:cBhvr>
-                                        <p:cTn id="13" dur="500"/>
-                                        <p:tgtEl>
-                                          <p:spTgt spid="7171"/>
-                                        </p:tgtEl>
-                                      </p:cBhvr>
-                                    </p:animEffect>
-                                  </p:childTnLst>
-                                </p:cTn>
-                              </p:par>
-                            </p:childTnLst>
-                          </p:cTn>
-                        </p:par>
-                      </p:childTnLst>
-                    </p:cTn>
-                  </p:par>
-                </p:childTnLst>
-              </p:cTn>
-              <p:prevCondLst>
-                <p:cond evt="onPrev" delay="0">
-                  <p:tgtEl>
-                    <p:sldTgt/>
-                  </p:tgtEl>
-                </p:cond>
-              </p:prevCondLst>
-              <p:nextCondLst>
-                <p:cond evt="onNext" delay="0">
-                  <p:tgtEl>
-                    <p:sldTgt/>
-                  </p:tgtEl>
-                </p:cond>
-              </p:nextCondLst>
-            </p:seq>
-          </p:childTnLst>
-        </p:cTn>
+        <p:cTn xmlns:p14="http://schemas.microsoft.com/office/powerpoint/2010/main" id="1" dur="indefinite" restart="never" nodeType="tmRoot"/>
       </p:par>
     </p:tnLst>
   </p:timing>
@@ -5162,7 +5000,7 @@
           <a:graphicData uri="http://schemas.openxmlformats.org/presentationml/2006/ole">
             <mc:AlternateContent xmlns:mc="http://schemas.openxmlformats.org/markup-compatibility/2006">
               <mc:Choice xmlns:v="urn:schemas-microsoft-com:vml" Requires="v">
-                <p:oleObj spid="_x0000_s352266" name="Equation" r:id="rId4" imgW="114120" imgH="215640" progId="Equation.3">
+                <p:oleObj spid="_x0000_s352276" name="Equation" r:id="rId4" imgW="114120" imgH="215640" progId="Equation.3">
                   <p:embed/>
                 </p:oleObj>
               </mc:Choice>
@@ -5238,7 +5076,7 @@
           <a:graphicData uri="http://schemas.openxmlformats.org/presentationml/2006/ole">
             <mc:AlternateContent xmlns:mc="http://schemas.openxmlformats.org/markup-compatibility/2006">
               <mc:Choice xmlns:v="urn:schemas-microsoft-com:vml" Requires="v">
-                <p:oleObj spid="_x0000_s352267" name="Equation" r:id="rId6" imgW="126720" imgH="215640" progId="Equation.DSMT4">
+                <p:oleObj spid="_x0000_s352277" name="Equation" r:id="rId6" imgW="126720" imgH="215640" progId="Equation.DSMT4">
                   <p:embed/>
                 </p:oleObj>
               </mc:Choice>
@@ -5907,16 +5745,7 @@
                 </a:solidFill>
                 <a:sym typeface="Symbol" pitchFamily="18" charset="2"/>
               </a:rPr>
-              <a:t>B] </a:t>
-            </a:r>
-            <a:r>
-              <a:rPr lang="en-US" sz="5200" dirty="0" smtClean="0">
-                <a:solidFill>
-                  <a:srgbClr val="0000FF"/>
-                </a:solidFill>
-                <a:sym typeface="Symbol" pitchFamily="18" charset="2"/>
-              </a:rPr>
-              <a:t>= </a:t>
+              <a:t>B] = </a:t>
             </a:r>
             <a:r>
               <a:rPr lang="en-US" sz="5200" dirty="0" err="1" smtClean="0">
@@ -6092,7 +5921,7 @@
           <a:graphicData uri="http://schemas.openxmlformats.org/presentationml/2006/ole">
             <mc:AlternateContent xmlns:mc="http://schemas.openxmlformats.org/markup-compatibility/2006">
               <mc:Choice xmlns:v="urn:schemas-microsoft-com:vml" Requires="v">
-                <p:oleObj spid="_x0000_s1048" name="Equation" r:id="rId4" imgW="114120" imgH="215640" progId="Equation.3">
+                <p:oleObj spid="_x0000_s1058" name="Equation" r:id="rId4" imgW="114120" imgH="215640" progId="Equation.3">
                   <p:embed/>
                 </p:oleObj>
               </mc:Choice>
@@ -6162,7 +5991,7 @@
           <a:graphicData uri="http://schemas.openxmlformats.org/presentationml/2006/ole">
             <mc:AlternateContent xmlns:mc="http://schemas.openxmlformats.org/markup-compatibility/2006">
               <mc:Choice xmlns:v="urn:schemas-microsoft-com:vml" Requires="v">
-                <p:oleObj spid="_x0000_s1049" name="Equation" r:id="rId6" imgW="126720" imgH="215640" progId="Equation.DSMT4">
+                <p:oleObj spid="_x0000_s1059" name="Equation" r:id="rId6" imgW="126720" imgH="215640" progId="Equation.DSMT4">
                   <p:embed/>
                 </p:oleObj>
               </mc:Choice>
@@ -6765,16 +6594,7 @@
                 </a:solidFill>
                 <a:sym typeface="Symbol"/>
               </a:rPr>
-              <a:t>] </a:t>
-            </a:r>
-            <a:r>
-              <a:rPr lang="en-US" sz="5200" dirty="0" smtClean="0">
-                <a:solidFill>
-                  <a:srgbClr val="0000CC"/>
-                </a:solidFill>
-                <a:sym typeface="Symbol"/>
-              </a:rPr>
-              <a:t>= </a:t>
+              <a:t>] = </a:t>
             </a:r>
             <a:r>
               <a:rPr lang="en-US" sz="5200" dirty="0" err="1" smtClean="0">
@@ -6810,16 +6630,7 @@
                 </a:solidFill>
                 <a:sym typeface="Symbol" pitchFamily="18" charset="2"/>
               </a:rPr>
-              <a:t>B] </a:t>
-            </a:r>
-            <a:r>
-              <a:rPr lang="en-US" sz="5200" dirty="0" smtClean="0">
-                <a:solidFill>
-                  <a:srgbClr val="0000CC"/>
-                </a:solidFill>
-                <a:sym typeface="Symbol" pitchFamily="18" charset="2"/>
-              </a:rPr>
-              <a:t>= </a:t>
+              <a:t>B] = </a:t>
             </a:r>
           </a:p>
           <a:p>
@@ -6898,16 +6709,7 @@
                 </a:solidFill>
                 <a:sym typeface="Symbol" pitchFamily="18" charset="2"/>
               </a:rPr>
-              <a:t>B]     </a:t>
-            </a:r>
-            <a:r>
-              <a:rPr lang="en-US" sz="5200" dirty="0" smtClean="0">
-                <a:solidFill>
-                  <a:srgbClr val="0000CC"/>
-                </a:solidFill>
-                <a:sym typeface="Symbol" pitchFamily="18" charset="2"/>
-              </a:rPr>
-              <a:t>=</a:t>
+              <a:t>B]     =</a:t>
             </a:r>
           </a:p>
           <a:p>
@@ -6995,16 +6797,7 @@
                 </a:solidFill>
                 <a:sym typeface="Symbol" pitchFamily="18" charset="2"/>
               </a:rPr>
-              <a:t>[B] </a:t>
-            </a:r>
-            <a:r>
-              <a:rPr lang="en-US" sz="5200" dirty="0" smtClean="0">
-                <a:solidFill>
-                  <a:srgbClr val="0000CC"/>
-                </a:solidFill>
-                <a:sym typeface="Symbol" pitchFamily="18" charset="2"/>
-              </a:rPr>
-              <a:t>=</a:t>
+              <a:t>[B] =</a:t>
             </a:r>
           </a:p>
           <a:p>
@@ -7092,16 +6885,7 @@
                 </a:solidFill>
                 <a:sym typeface="Euclid Symbol"/>
               </a:rPr>
-              <a:t>[B])     </a:t>
-            </a:r>
-            <a:r>
-              <a:rPr lang="en-US" sz="5200" dirty="0" smtClean="0">
-                <a:solidFill>
-                  <a:srgbClr val="0000CC"/>
-                </a:solidFill>
-                <a:sym typeface="Euclid Symbol"/>
-              </a:rPr>
-              <a:t>=</a:t>
+              <a:t>[B])     =</a:t>
             </a:r>
           </a:p>
           <a:p>
@@ -7266,7 +7050,7 @@
           <a:graphicData uri="http://schemas.openxmlformats.org/presentationml/2006/ole">
             <mc:AlternateContent xmlns:mc="http://schemas.openxmlformats.org/markup-compatibility/2006">
               <mc:Choice xmlns:v="urn:schemas-microsoft-com:vml" Requires="v">
-                <p:oleObj spid="_x0000_s112737" name="Equation" r:id="rId4" imgW="114120" imgH="215640" progId="Equation.3">
+                <p:oleObj spid="_x0000_s112751" name="Equation" r:id="rId4" imgW="114120" imgH="215640" progId="Equation.3">
                   <p:embed/>
                 </p:oleObj>
               </mc:Choice>
@@ -7336,7 +7120,7 @@
           <a:graphicData uri="http://schemas.openxmlformats.org/presentationml/2006/ole">
             <mc:AlternateContent xmlns:mc="http://schemas.openxmlformats.org/markup-compatibility/2006">
               <mc:Choice xmlns:v="urn:schemas-microsoft-com:vml" Requires="v">
-                <p:oleObj spid="_x0000_s112738" name="Equation" r:id="rId6" imgW="126720" imgH="215640" progId="Equation.DSMT4">
+                <p:oleObj spid="_x0000_s112752" name="Equation" r:id="rId6" imgW="126720" imgH="215640" progId="Equation.DSMT4">
                   <p:embed/>
                 </p:oleObj>
               </mc:Choice>
@@ -7440,7 +7224,7 @@
           <a:graphicData uri="http://schemas.openxmlformats.org/presentationml/2006/ole">
             <mc:AlternateContent xmlns:mc="http://schemas.openxmlformats.org/markup-compatibility/2006">
               <mc:Choice xmlns:v="urn:schemas-microsoft-com:vml" Requires="v">
-                <p:oleObj spid="_x0000_s112739" name="Equation" r:id="rId8" imgW="126720" imgH="215640" progId="Equation.DSMT4">
+                <p:oleObj spid="_x0000_s112753" name="Equation" r:id="rId8" imgW="126720" imgH="215640" progId="Equation.DSMT4">
                   <p:embed/>
                 </p:oleObj>
               </mc:Choice>
@@ -8071,7 +7855,11 @@
               <a:buNone/>
             </a:pPr>
             <a:r>
-              <a:rPr lang="en-US" sz="4000" i="1" dirty="0" smtClean="0"/>
+              <a:rPr lang="en-US" sz="4000" dirty="0" smtClean="0">
+                <a:solidFill>
+                  <a:srgbClr val="9D0079"/>
+                </a:solidFill>
+              </a:rPr>
               <a:t>Definition 1:</a:t>
             </a:r>
           </a:p>
@@ -8133,7 +7921,15 @@
                   <a:srgbClr val="0000CC"/>
                 </a:solidFill>
               </a:rPr>
-              <a:t>[A] </a:t>
+              <a:t>[A] = </a:t>
+            </a:r>
+            <a:r>
+              <a:rPr lang="en-US" sz="5400" dirty="0" err="1" smtClean="0">
+                <a:solidFill>
+                  <a:srgbClr val="0000CC"/>
+                </a:solidFill>
+              </a:rPr>
+              <a:t>Pr</a:t>
             </a:r>
             <a:r>
               <a:rPr lang="en-US" sz="5400" dirty="0" smtClean="0">
@@ -8141,45 +7937,8 @@
                   <a:srgbClr val="0000CC"/>
                 </a:solidFill>
               </a:rPr>
-              <a:t>= </a:t>
-            </a:r>
-            <a:r>
-              <a:rPr lang="en-US" sz="5400" dirty="0" err="1" smtClean="0">
-                <a:solidFill>
-                  <a:srgbClr val="0000CC"/>
-                </a:solidFill>
-              </a:rPr>
-              <a:t>Pr</a:t>
-            </a:r>
-            <a:r>
-              <a:rPr lang="en-US" sz="5400" dirty="0" smtClean="0">
-                <a:solidFill>
-                  <a:srgbClr val="0000CC"/>
-                </a:solidFill>
-              </a:rPr>
-              <a:t>[A </a:t>
-            </a:r>
-            <a:r>
-              <a:rPr lang="en-US" sz="5400" dirty="0" smtClean="0">
-                <a:solidFill>
-                  <a:srgbClr val="0000CC"/>
-                </a:solidFill>
-              </a:rPr>
-              <a:t>| </a:t>
-            </a:r>
-            <a:r>
-              <a:rPr lang="en-US" sz="5400" dirty="0" smtClean="0">
-                <a:solidFill>
-                  <a:srgbClr val="0000CC"/>
-                </a:solidFill>
-              </a:rPr>
-              <a:t>B]</a:t>
-            </a:r>
-            <a:endParaRPr lang="en-US" sz="5400" dirty="0" smtClean="0">
-              <a:solidFill>
-                <a:srgbClr val="0000CC"/>
-              </a:solidFill>
-            </a:endParaRPr>
+              <a:t>[A | B]</a:t>
+            </a:r>
           </a:p>
           <a:p>
             <a:pPr eaLnBrk="1" hangingPunct="1">
@@ -8187,7 +7946,11 @@
               <a:buNone/>
             </a:pPr>
             <a:r>
-              <a:rPr lang="en-US" sz="4000" i="1" dirty="0" smtClean="0"/>
+              <a:rPr lang="en-US" sz="4000" dirty="0" smtClean="0">
+                <a:solidFill>
+                  <a:srgbClr val="9D0079"/>
+                </a:solidFill>
+              </a:rPr>
               <a:t>Definition 2:</a:t>
             </a:r>
           </a:p>
@@ -8291,15 +8054,7 @@
                   <a:srgbClr val="0000CC"/>
                 </a:solidFill>
               </a:rPr>
-              <a:t> </a:t>
-            </a:r>
-            <a:r>
-              <a:rPr lang="en-US" sz="5400" dirty="0" smtClean="0">
-                <a:solidFill>
-                  <a:srgbClr val="0000CC"/>
-                </a:solidFill>
-              </a:rPr>
-              <a:t>= </a:t>
+              <a:t> = </a:t>
             </a:r>
             <a:r>
               <a:rPr lang="en-US" sz="5400" dirty="0" err="1" smtClean="0">
@@ -8833,7 +8588,7 @@
 </file>
 
 <file path=ppt/slides/slide3.xml><?xml version="1.0" encoding="utf-8"?>
-<p:sld xmlns:a="http://schemas.openxmlformats.org/drawingml/2006/main" xmlns:r="http://schemas.openxmlformats.org/officeDocument/2006/relationships" xmlns:p="http://schemas.openxmlformats.org/presentationml/2006/main">
+<p:sld xmlns:a="http://schemas.openxmlformats.org/drawingml/2006/main" xmlns:r="http://schemas.openxmlformats.org/officeDocument/2006/relationships" xmlns:p="http://schemas.openxmlformats.org/presentationml/2006/main" show="0">
   <p:cSld>
     <p:spTree>
       <p:nvGrpSpPr>
@@ -8925,12 +8680,18 @@
               </a:spcBef>
             </a:pPr>
             <a:r>
-              <a:rPr lang="en-US" sz="3600" i="1" dirty="0" smtClean="0">
+              <a:rPr lang="en-US" sz="3600" dirty="0" smtClean="0">
+                <a:solidFill>
+                  <a:srgbClr val="9D0079"/>
+                </a:solidFill>
                 <a:latin typeface="Comic Sans MS" pitchFamily="66" charset="0"/>
               </a:rPr>
               <a:t>proof of equivalence:</a:t>
             </a:r>
-            <a:endParaRPr lang="en-US" sz="3600" i="1" dirty="0">
+            <a:endParaRPr lang="en-US" sz="3600" dirty="0">
+              <a:solidFill>
+                <a:srgbClr val="9D0079"/>
+              </a:solidFill>
               <a:latin typeface="Comic Sans MS" pitchFamily="66" charset="0"/>
             </a:endParaRPr>
           </a:p>
@@ -9214,16 +8975,7 @@
                 </a:solidFill>
                 <a:latin typeface="Comic Sans MS" pitchFamily="66" charset="0"/>
               </a:rPr>
-              <a:t> </a:t>
-            </a:r>
-            <a:r>
-              <a:rPr lang="en-US" sz="4800" dirty="0" smtClean="0">
-                <a:solidFill>
-                  <a:srgbClr val="0000CC"/>
-                </a:solidFill>
-                <a:latin typeface="Comic Sans MS" pitchFamily="66" charset="0"/>
-              </a:rPr>
-              <a:t>B]</a:t>
+              <a:t> B]</a:t>
             </a:r>
             <a:endParaRPr lang="en-US" sz="4800" dirty="0">
               <a:latin typeface="Comic Sans MS" pitchFamily="66" charset="0"/>
@@ -9277,7 +9029,7 @@
           <a:graphicData uri="http://schemas.openxmlformats.org/presentationml/2006/ole">
             <mc:AlternateContent xmlns:mc="http://schemas.openxmlformats.org/markup-compatibility/2006">
               <mc:Choice xmlns:v="urn:schemas-microsoft-com:vml" Requires="v">
-                <p:oleObj spid="_x0000_s5217" name="Equation" r:id="rId4" imgW="698500" imgH="444500" progId="Equation.DSMT4">
+                <p:oleObj spid="_x0000_s5234" name="Equation" r:id="rId4" imgW="698500" imgH="444500" progId="Equation.DSMT4">
                   <p:embed/>
                 </p:oleObj>
               </mc:Choice>
@@ -9341,7 +9093,7 @@
           <a:graphicData uri="http://schemas.openxmlformats.org/presentationml/2006/ole">
             <mc:AlternateContent xmlns:mc="http://schemas.openxmlformats.org/markup-compatibility/2006">
               <mc:Choice xmlns:v="urn:schemas-microsoft-com:vml" Requires="v">
-                <p:oleObj spid="_x0000_s5218" name="Equation" r:id="rId6" imgW="114120" imgH="215640" progId="Equation.3">
+                <p:oleObj spid="_x0000_s5235" name="Equation" r:id="rId6" imgW="114120" imgH="215640" progId="Equation.3">
                   <p:embed/>
                 </p:oleObj>
               </mc:Choice>
@@ -9411,7 +9163,7 @@
           <a:graphicData uri="http://schemas.openxmlformats.org/presentationml/2006/ole">
             <mc:AlternateContent xmlns:mc="http://schemas.openxmlformats.org/markup-compatibility/2006">
               <mc:Choice xmlns:v="urn:schemas-microsoft-com:vml" Requires="v">
-                <p:oleObj spid="_x0000_s5219" name="Equation" r:id="rId8" imgW="114120" imgH="215640" progId="Equation.3">
+                <p:oleObj spid="_x0000_s5236" name="Equation" r:id="rId8" imgW="114120" imgH="215640" progId="Equation.3">
                   <p:embed/>
                 </p:oleObj>
               </mc:Choice>
@@ -9611,13 +9363,13 @@
   <p:clrMapOvr>
     <a:masterClrMapping/>
   </p:clrMapOvr>
-  <mc:AlternateContent xmlns:mc="http://schemas.openxmlformats.org/markup-compatibility/2006" xmlns:p14="http://schemas.microsoft.com/office/powerpoint/2010/main">
-    <mc:Choice Requires="p14">
+  <mc:AlternateContent xmlns:mc="http://schemas.openxmlformats.org/markup-compatibility/2006">
+    <mc:Choice xmlns:p14="http://schemas.microsoft.com/office/powerpoint/2010/main" Requires="p14">
       <p:transition spd="med" p14:dur="700" advClick="0">
         <p:fade/>
       </p:transition>
     </mc:Choice>
-    <mc:Fallback xmlns="">
+    <mc:Fallback>
       <p:transition xmlns:p14="http://schemas.microsoft.com/office/powerpoint/2010/main" spd="med" advClick="0">
         <p:fade/>
       </p:transition>
@@ -9991,23 +9743,23 @@
               <a:t>Pr</a:t>
             </a:r>
             <a:r>
-              <a:rPr lang="en-US" sz="6600" dirty="0" smtClean="0">
+              <a:rPr lang="en-US" sz="6600" smtClean="0">
                 <a:solidFill>
                   <a:srgbClr val="0000CC"/>
                 </a:solidFill>
               </a:rPr>
-              <a:t>[A</a:t>
-            </a:r>
-            <a:r>
-              <a:rPr lang="en-US" sz="6600" dirty="0" smtClean="0">
+              <a:t>[</a:t>
+            </a:r>
+            <a:r>
+              <a:rPr lang="en-US" sz="6600" smtClean="0">
                 <a:solidFill>
                   <a:srgbClr val="0000CC"/>
                 </a:solidFill>
               </a:rPr>
-              <a:t>}</a:t>
-            </a:r>
-            <a:r>
-              <a:rPr lang="en-US" sz="6600" dirty="0" smtClean="0">
+              <a:t>A]</a:t>
+            </a:r>
+            <a:r>
+              <a:rPr lang="en-US" sz="6600" smtClean="0">
                 <a:solidFill>
                   <a:srgbClr val="0000CC"/>
                 </a:solidFill>
@@ -10031,15 +9783,7 @@
                   <a:srgbClr val="0000CC"/>
                 </a:solidFill>
               </a:rPr>
-              <a:t>[B] </a:t>
-            </a:r>
-            <a:r>
-              <a:rPr lang="en-US" sz="6600" dirty="0" smtClean="0">
-                <a:solidFill>
-                  <a:srgbClr val="0000CC"/>
-                </a:solidFill>
-              </a:rPr>
-              <a:t>= </a:t>
+              <a:t>[B] = </a:t>
             </a:r>
             <a:r>
               <a:rPr lang="en-US" sz="6600" dirty="0" err="1" smtClean="0">
@@ -10095,7 +9839,7 @@
         <p:spPr bwMode="auto">
           <a:xfrm>
             <a:off x="211138" y="3471293"/>
-            <a:ext cx="8583612" cy="1471612"/>
+            <a:ext cx="8721650" cy="1608308"/>
           </a:xfrm>
           <a:prstGeom prst="rect">
             <a:avLst/>
@@ -10567,15 +10311,7 @@
                   <a:srgbClr val="0000CC"/>
                 </a:solidFill>
               </a:rPr>
-              <a:t>[B] </a:t>
-            </a:r>
-            <a:r>
-              <a:rPr lang="en-US" sz="6600" dirty="0" smtClean="0">
-                <a:solidFill>
-                  <a:srgbClr val="0000CC"/>
-                </a:solidFill>
-              </a:rPr>
-              <a:t>= </a:t>
+              <a:t>[B] = </a:t>
             </a:r>
             <a:r>
               <a:rPr lang="en-US" sz="6600" dirty="0" err="1" smtClean="0">
@@ -10981,15 +10717,24 @@
                                   </p:childTnLst>
                                 </p:cTn>
                               </p:par>
+                            </p:childTnLst>
+                          </p:cTn>
+                        </p:par>
+                        <p:par>
+                          <p:cTn id="8" fill="hold">
+                            <p:stCondLst>
+                              <p:cond delay="500"/>
+                            </p:stCondLst>
+                            <p:childTnLst>
                               <p:par>
-                                <p:cTn id="8" presetID="10" presetClass="entr" presetSubtype="0" fill="hold" nodeType="withEffect">
+                                <p:cTn id="9" presetID="10" presetClass="entr" presetSubtype="0" fill="hold" nodeType="afterEffect">
                                   <p:stCondLst>
                                     <p:cond delay="0"/>
                                   </p:stCondLst>
                                   <p:childTnLst>
                                     <p:set>
                                       <p:cBhvr>
-                                        <p:cTn id="9" dur="1" fill="hold">
+                                        <p:cTn id="10" dur="1" fill="hold">
                                           <p:stCondLst>
                                             <p:cond delay="0"/>
                                           </p:stCondLst>
@@ -11011,7 +10756,7 @@
                                     </p:set>
                                     <p:animEffect transition="in" filter="fade">
                                       <p:cBhvr>
-                                        <p:cTn id="10" dur="500"/>
+                                        <p:cTn id="11" dur="1000"/>
                                         <p:tgtEl>
                                           <p:spTgt spid="9221">
                                             <p:txEl>
@@ -11162,7 +10907,11 @@
               <a:buNone/>
             </a:pPr>
             <a:r>
-              <a:rPr lang="en-US" sz="4800" i="1" dirty="0" smtClean="0"/>
+              <a:rPr lang="en-US" sz="4400" dirty="0" smtClean="0">
+                <a:solidFill>
+                  <a:srgbClr val="9D0079"/>
+                </a:solidFill>
+              </a:rPr>
               <a:t>Corollary:</a:t>
             </a:r>
             <a:r>
@@ -11183,15 +10932,7 @@
                   <a:srgbClr val="0000FF"/>
                 </a:solidFill>
               </a:rPr>
-              <a:t>[B]= </a:t>
-            </a:r>
-            <a:r>
-              <a:rPr lang="en-US" sz="5400" dirty="0" smtClean="0">
-                <a:solidFill>
-                  <a:srgbClr val="0000FF"/>
-                </a:solidFill>
-              </a:rPr>
-              <a:t>0</a:t>
+              <a:t>[B]= 0</a:t>
             </a:r>
             <a:r>
               <a:rPr lang="en-US" sz="5400" dirty="0" smtClean="0"/>
@@ -11402,12 +11143,12 @@
   </p:clrMapOvr>
   <mc:AlternateContent xmlns:mc="http://schemas.openxmlformats.org/markup-compatibility/2006" xmlns:p14="http://schemas.microsoft.com/office/powerpoint/2010/main">
     <mc:Choice Requires="p14">
-      <p:transition spd="med" p14:dur="700">
+      <p:transition spd="med" p14:dur="700" advClick="0">
         <p:fade/>
       </p:transition>
     </mc:Choice>
     <mc:Fallback xmlns="">
-      <p:transition xmlns:p14="http://schemas.microsoft.com/office/powerpoint/2010/main" spd="med">
+      <p:transition xmlns:p14="http://schemas.microsoft.com/office/powerpoint/2010/main" spd="med" advClick="0">
         <p:fade/>
       </p:transition>
     </mc:Fallback>
@@ -11625,7 +11366,7 @@
           <a:p>
             <a:pPr eaLnBrk="1" hangingPunct="1"/>
             <a:r>
-              <a:rPr lang="en-US" sz="4000" smtClean="0"/>
+              <a:rPr lang="en-US" sz="4000" dirty="0" smtClean="0"/>
               <a:t>Independence</a:t>
             </a:r>
           </a:p>
@@ -11656,7 +11397,11 @@
               <a:buNone/>
             </a:pPr>
             <a:r>
-              <a:rPr lang="en-US" sz="4800" i="1" dirty="0" smtClean="0"/>
+              <a:rPr lang="en-US" sz="4400" dirty="0" smtClean="0">
+                <a:solidFill>
+                  <a:srgbClr val="9D0079"/>
+                </a:solidFill>
+              </a:rPr>
               <a:t>Corollary:</a:t>
             </a:r>
             <a:r>
@@ -11677,15 +11422,7 @@
                   <a:srgbClr val="0000FF"/>
                 </a:solidFill>
               </a:rPr>
-              <a:t>[B]= </a:t>
-            </a:r>
-            <a:r>
-              <a:rPr lang="en-US" sz="5400" dirty="0" smtClean="0">
-                <a:solidFill>
-                  <a:srgbClr val="0000FF"/>
-                </a:solidFill>
-              </a:rPr>
-              <a:t>0</a:t>
+              <a:t>[B]= 0</a:t>
             </a:r>
             <a:r>
               <a:rPr lang="en-US" sz="5400" dirty="0" smtClean="0"/>
@@ -11727,29 +11464,30 @@
             </a:r>
           </a:p>
           <a:p>
-            <a:pPr eaLnBrk="1" hangingPunct="1">
-              <a:buFontTx/>
-              <a:buNone/>
-            </a:pPr>
+            <a:pPr eaLnBrk="1" hangingPunct="1"/>
             <a:r>
               <a:rPr lang="en-US" sz="5400" dirty="0" smtClean="0">
                 <a:solidFill>
                   <a:srgbClr val="1B7F3C"/>
                 </a:solidFill>
               </a:rPr>
-              <a:t>event</a:t>
+              <a:t>event  </a:t>
             </a:r>
             <a:r>
               <a:rPr lang="en-US" sz="5400" dirty="0" smtClean="0">
                 <a:solidFill>
-                  <a:schemeClr val="accent2"/>
-                </a:solidFill>
-              </a:rPr>
-              <a:t> </a:t>
-            </a:r>
-            <a:r>
-              <a:rPr lang="en-US" sz="5400" dirty="0" smtClean="0"/>
-              <a:t>– even itself.</a:t>
+                  <a:srgbClr val="000000"/>
+                </a:solidFill>
+              </a:rPr>
+              <a:t>––even </a:t>
+            </a:r>
+            <a:r>
+              <a:rPr lang="en-US" sz="5400" dirty="0">
+                <a:solidFill>
+                  <a:srgbClr val="000000"/>
+                </a:solidFill>
+              </a:rPr>
+              <a:t>itself.</a:t>
             </a:r>
             <a:endParaRPr lang="en-US" sz="4000" dirty="0" smtClean="0"/>
           </a:p>
@@ -11897,18 +11635,23 @@
         </p:txBody>
       </p:sp>
     </p:spTree>
+    <p:extLst>
+      <p:ext uri="{BB962C8B-B14F-4D97-AF65-F5344CB8AC3E}">
+        <p14:creationId xmlns:p14="http://schemas.microsoft.com/office/powerpoint/2010/main" val="1260585357"/>
+      </p:ext>
+    </p:extLst>
   </p:cSld>
   <p:clrMapOvr>
     <a:masterClrMapping/>
   </p:clrMapOvr>
   <mc:AlternateContent xmlns:mc="http://schemas.openxmlformats.org/markup-compatibility/2006" xmlns:p14="http://schemas.microsoft.com/office/powerpoint/2010/main">
     <mc:Choice Requires="p14">
-      <p:transition spd="med" p14:dur="700">
+      <p:transition spd="med" p14:dur="700" advClick="0">
         <p:fade/>
       </p:transition>
     </mc:Choice>
     <mc:Fallback xmlns="">
-      <p:transition xmlns:p14="http://schemas.microsoft.com/office/powerpoint/2010/main" spd="med">
+      <p:transition xmlns:p14="http://schemas.microsoft.com/office/powerpoint/2010/main" spd="med" advClick="0">
         <p:fade/>
       </p:transition>
     </mc:Fallback>
@@ -11916,7 +11659,134 @@
   <p:timing>
     <p:tnLst>
       <p:par>
-        <p:cTn xmlns:p14="http://schemas.microsoft.com/office/powerpoint/2010/main" id="1" dur="indefinite" restart="never" nodeType="tmRoot"/>
+        <p:cTn xmlns:p14="http://schemas.microsoft.com/office/powerpoint/2010/main" id="1" dur="indefinite" restart="never" nodeType="tmRoot">
+          <p:childTnLst>
+            <p:seq concurrent="1" nextAc="seek">
+              <p:cTn id="2" dur="indefinite" nodeType="mainSeq">
+                <p:childTnLst>
+                  <p:par>
+                    <p:cTn id="3" fill="hold">
+                      <p:stCondLst>
+                        <p:cond delay="indefinite"/>
+                      </p:stCondLst>
+                      <p:childTnLst>
+                        <p:par>
+                          <p:cTn id="4" fill="hold">
+                            <p:stCondLst>
+                              <p:cond delay="0"/>
+                            </p:stCondLst>
+                            <p:childTnLst>
+                              <p:par>
+                                <p:cTn id="5" presetID="10" presetClass="entr" presetSubtype="0" fill="hold" nodeType="clickEffect">
+                                  <p:stCondLst>
+                                    <p:cond delay="0"/>
+                                  </p:stCondLst>
+                                  <p:childTnLst>
+                                    <p:set>
+                                      <p:cBhvr>
+                                        <p:cTn id="6" dur="1" fill="hold">
+                                          <p:stCondLst>
+                                            <p:cond delay="0"/>
+                                          </p:stCondLst>
+                                        </p:cTn>
+                                        <p:tgtEl>
+                                          <p:spTgt spid="19459">
+                                            <p:txEl>
+                                              <p:pRg st="1" end="1"/>
+                                            </p:txEl>
+                                          </p:spTgt>
+                                        </p:tgtEl>
+                                        <p:attrNameLst>
+                                          <p:attrName>style.visibility</p:attrName>
+                                        </p:attrNameLst>
+                                      </p:cBhvr>
+                                      <p:to>
+                                        <p:strVal val="visible"/>
+                                      </p:to>
+                                    </p:set>
+                                    <p:animEffect transition="in" filter="fade">
+                                      <p:cBhvr>
+                                        <p:cTn id="7" dur="500"/>
+                                        <p:tgtEl>
+                                          <p:spTgt spid="19459">
+                                            <p:txEl>
+                                              <p:pRg st="1" end="1"/>
+                                            </p:txEl>
+                                          </p:spTgt>
+                                        </p:tgtEl>
+                                      </p:cBhvr>
+                                    </p:animEffect>
+                                  </p:childTnLst>
+                                </p:cTn>
+                              </p:par>
+                              <p:par>
+                                <p:cTn id="8" presetID="10" presetClass="entr" presetSubtype="0" fill="hold" nodeType="withEffect">
+                                  <p:stCondLst>
+                                    <p:cond delay="0"/>
+                                  </p:stCondLst>
+                                  <p:childTnLst>
+                                    <p:set>
+                                      <p:cBhvr>
+                                        <p:cTn id="9" dur="1" fill="hold">
+                                          <p:stCondLst>
+                                            <p:cond delay="0"/>
+                                          </p:stCondLst>
+                                        </p:cTn>
+                                        <p:tgtEl>
+                                          <p:spTgt spid="19459">
+                                            <p:txEl>
+                                              <p:pRg st="2" end="2"/>
+                                            </p:txEl>
+                                          </p:spTgt>
+                                        </p:tgtEl>
+                                        <p:attrNameLst>
+                                          <p:attrName>style.visibility</p:attrName>
+                                        </p:attrNameLst>
+                                      </p:cBhvr>
+                                      <p:to>
+                                        <p:strVal val="visible"/>
+                                      </p:to>
+                                    </p:set>
+                                    <p:animEffect transition="in" filter="fade">
+                                      <p:cBhvr>
+                                        <p:cTn id="10" dur="500"/>
+                                        <p:tgtEl>
+                                          <p:spTgt spid="19459">
+                                            <p:txEl>
+                                              <p:pRg st="2" end="2"/>
+                                            </p:txEl>
+                                          </p:spTgt>
+                                        </p:tgtEl>
+                                      </p:cBhvr>
+                                    </p:animEffect>
+                                  </p:childTnLst>
+                                </p:cTn>
+                              </p:par>
+                            </p:childTnLst>
+                          </p:cTn>
+                        </p:par>
+                      </p:childTnLst>
+                    </p:cTn>
+                  </p:par>
+                </p:childTnLst>
+              </p:cTn>
+              <p:prevCondLst>
+                <p:cond evt="onPrev" delay="0">
+                  <p:tgtEl>
+                    <p:sldTgt/>
+                  </p:tgtEl>
+                </p:cond>
+              </p:prevCondLst>
+              <p:nextCondLst>
+                <p:cond evt="onNext" delay="0">
+                  <p:tgtEl>
+                    <p:sldTgt/>
+                  </p:tgtEl>
+                </p:cond>
+              </p:nextCondLst>
+            </p:seq>
+          </p:childTnLst>
+        </p:cTn>
       </p:par>
     </p:tnLst>
   </p:timing>
@@ -12414,7 +12284,7 @@
           <a:graphicData uri="http://schemas.openxmlformats.org/presentationml/2006/ole">
             <mc:AlternateContent xmlns:mc="http://schemas.openxmlformats.org/markup-compatibility/2006">
               <mc:Choice xmlns:v="urn:schemas-microsoft-com:vml" Requires="v">
-                <p:oleObj spid="_x0000_s110635" name="Equation" r:id="rId4" imgW="114120" imgH="215640" progId="Equation.3">
+                <p:oleObj spid="_x0000_s110641" name="Equation" r:id="rId4" imgW="114120" imgH="215640" progId="Equation.3">
                   <p:embed/>
                 </p:oleObj>
               </mc:Choice>
